--- a/presentation/Presentation_W11.pptx
+++ b/presentation/Presentation_W11.pptx
@@ -164,401 +164,24 @@
 <file path=ppt/changesInfos/changesInfo1.xml><?xml version="1.0" encoding="utf-8"?>
 <pc:chgInfo xmlns:a="http://schemas.openxmlformats.org/drawingml/2006/main" xmlns:r="http://schemas.openxmlformats.org/officeDocument/2006/relationships" xmlns:ac="http://schemas.microsoft.com/office/drawing/2013/main/command" xmlns:pc="http://schemas.microsoft.com/office/powerpoint/2013/main/command">
   <pc:docChgLst>
-    <pc:chgData name="Burch, Michael" userId="c61bac37-f303-4899-91e4-95e7d9e47247" providerId="ADAL" clId="{350F6923-3425-E74A-9082-1F6A58783646}"/>
-    <pc:docChg chg="undo custSel addSld delSld modSld sldOrd">
-      <pc:chgData name="Burch, Michael" userId="c61bac37-f303-4899-91e4-95e7d9e47247" providerId="ADAL" clId="{350F6923-3425-E74A-9082-1F6A58783646}" dt="2023-05-11T08:35:46.401" v="416" actId="27636"/>
+    <pc:chgData name="Dominik Buchegger" userId="7f2052fac20aabcc" providerId="LiveId" clId="{CDED857A-6F6D-4D17-8F57-7FC6A666347F}"/>
+    <pc:docChg chg="custSel modSld">
+      <pc:chgData name="Dominik Buchegger" userId="7f2052fac20aabcc" providerId="LiveId" clId="{CDED857A-6F6D-4D17-8F57-7FC6A666347F}" dt="2023-05-19T09:43:39.446" v="4" actId="27636"/>
       <pc:docMkLst>
         <pc:docMk/>
       </pc:docMkLst>
-      <pc:sldChg chg="del">
-        <pc:chgData name="Burch, Michael" userId="c61bac37-f303-4899-91e4-95e7d9e47247" providerId="ADAL" clId="{350F6923-3425-E74A-9082-1F6A58783646}" dt="2023-05-11T07:43:02.001" v="3" actId="2696"/>
+      <pc:sldChg chg="modSp mod">
+        <pc:chgData name="Dominik Buchegger" userId="7f2052fac20aabcc" providerId="LiveId" clId="{CDED857A-6F6D-4D17-8F57-7FC6A666347F}" dt="2023-05-19T09:43:39.446" v="4" actId="27636"/>
         <pc:sldMkLst>
           <pc:docMk/>
-          <pc:sldMk cId="2597776529" sldId="288"/>
-        </pc:sldMkLst>
-      </pc:sldChg>
-      <pc:sldChg chg="modSp mod">
-        <pc:chgData name="Burch, Michael" userId="c61bac37-f303-4899-91e4-95e7d9e47247" providerId="ADAL" clId="{350F6923-3425-E74A-9082-1F6A58783646}" dt="2023-05-11T08:16:10.069" v="251" actId="1076"/>
-        <pc:sldMkLst>
-          <pc:docMk/>
-          <pc:sldMk cId="3241705055" sldId="1537"/>
+          <pc:sldMk cId="1141813345" sldId="1594"/>
         </pc:sldMkLst>
         <pc:spChg chg="mod">
-          <ac:chgData name="Burch, Michael" userId="c61bac37-f303-4899-91e4-95e7d9e47247" providerId="ADAL" clId="{350F6923-3425-E74A-9082-1F6A58783646}" dt="2023-05-11T08:16:10.069" v="251" actId="1076"/>
+          <ac:chgData name="Dominik Buchegger" userId="7f2052fac20aabcc" providerId="LiveId" clId="{CDED857A-6F6D-4D17-8F57-7FC6A666347F}" dt="2023-05-19T09:43:39.446" v="4" actId="27636"/>
           <ac:spMkLst>
             <pc:docMk/>
-            <pc:sldMk cId="3241705055" sldId="1537"/>
-            <ac:spMk id="2" creationId="{A92E3E48-FF8A-5E4C-67CC-8B0608A09C2C}"/>
-          </ac:spMkLst>
-        </pc:spChg>
-      </pc:sldChg>
-      <pc:sldChg chg="modSp mod">
-        <pc:chgData name="Burch, Michael" userId="c61bac37-f303-4899-91e4-95e7d9e47247" providerId="ADAL" clId="{350F6923-3425-E74A-9082-1F6A58783646}" dt="2023-05-11T08:35:46.401" v="416" actId="27636"/>
-        <pc:sldMkLst>
-          <pc:docMk/>
-          <pc:sldMk cId="3555160724" sldId="1551"/>
-        </pc:sldMkLst>
-        <pc:spChg chg="mod">
-          <ac:chgData name="Burch, Michael" userId="c61bac37-f303-4899-91e4-95e7d9e47247" providerId="ADAL" clId="{350F6923-3425-E74A-9082-1F6A58783646}" dt="2023-05-11T08:35:46.401" v="416" actId="27636"/>
-          <ac:spMkLst>
-            <pc:docMk/>
-            <pc:sldMk cId="3555160724" sldId="1551"/>
-            <ac:spMk id="2" creationId="{DF770251-C66F-37B2-FA29-31FE5C038085}"/>
-          </ac:spMkLst>
-        </pc:spChg>
-        <pc:spChg chg="mod">
-          <ac:chgData name="Burch, Michael" userId="c61bac37-f303-4899-91e4-95e7d9e47247" providerId="ADAL" clId="{350F6923-3425-E74A-9082-1F6A58783646}" dt="2023-05-11T07:46:49.850" v="36" actId="20577"/>
-          <ac:spMkLst>
-            <pc:docMk/>
-            <pc:sldMk cId="3555160724" sldId="1551"/>
-            <ac:spMk id="3" creationId="{641BA0E1-8D6C-A9CA-73FE-3B2AE7D021E4}"/>
-          </ac:spMkLst>
-        </pc:spChg>
-        <pc:spChg chg="mod">
-          <ac:chgData name="Burch, Michael" userId="c61bac37-f303-4899-91e4-95e7d9e47247" providerId="ADAL" clId="{350F6923-3425-E74A-9082-1F6A58783646}" dt="2023-05-11T07:45:07.222" v="35" actId="20577"/>
-          <ac:spMkLst>
-            <pc:docMk/>
-            <pc:sldMk cId="3555160724" sldId="1551"/>
-            <ac:spMk id="7" creationId="{F666E8F7-8B25-B437-131E-F8882B62E16E}"/>
-          </ac:spMkLst>
-        </pc:spChg>
-      </pc:sldChg>
-      <pc:sldChg chg="del">
-        <pc:chgData name="Burch, Michael" userId="c61bac37-f303-4899-91e4-95e7d9e47247" providerId="ADAL" clId="{350F6923-3425-E74A-9082-1F6A58783646}" dt="2023-05-11T07:43:01.074" v="1" actId="2696"/>
-        <pc:sldMkLst>
-          <pc:docMk/>
-          <pc:sldMk cId="2741464550" sldId="1567"/>
-        </pc:sldMkLst>
-      </pc:sldChg>
-      <pc:sldChg chg="del">
-        <pc:chgData name="Burch, Michael" userId="c61bac37-f303-4899-91e4-95e7d9e47247" providerId="ADAL" clId="{350F6923-3425-E74A-9082-1F6A58783646}" dt="2023-05-11T07:43:01.620" v="2" actId="2696"/>
-        <pc:sldMkLst>
-          <pc:docMk/>
-          <pc:sldMk cId="3246657454" sldId="1568"/>
-        </pc:sldMkLst>
-      </pc:sldChg>
-      <pc:sldChg chg="del">
-        <pc:chgData name="Burch, Michael" userId="c61bac37-f303-4899-91e4-95e7d9e47247" providerId="ADAL" clId="{350F6923-3425-E74A-9082-1F6A58783646}" dt="2023-05-11T07:43:02.506" v="4" actId="2696"/>
-        <pc:sldMkLst>
-          <pc:docMk/>
-          <pc:sldMk cId="761030588" sldId="1570"/>
-        </pc:sldMkLst>
-      </pc:sldChg>
-      <pc:sldChg chg="del">
-        <pc:chgData name="Burch, Michael" userId="c61bac37-f303-4899-91e4-95e7d9e47247" providerId="ADAL" clId="{350F6923-3425-E74A-9082-1F6A58783646}" dt="2023-05-11T07:43:03.065" v="5" actId="2696"/>
-        <pc:sldMkLst>
-          <pc:docMk/>
-          <pc:sldMk cId="3967757145" sldId="1571"/>
-        </pc:sldMkLst>
-      </pc:sldChg>
-      <pc:sldChg chg="del">
-        <pc:chgData name="Burch, Michael" userId="c61bac37-f303-4899-91e4-95e7d9e47247" providerId="ADAL" clId="{350F6923-3425-E74A-9082-1F6A58783646}" dt="2023-05-11T07:43:04.335" v="6" actId="2696"/>
-        <pc:sldMkLst>
-          <pc:docMk/>
-          <pc:sldMk cId="2574699634" sldId="1572"/>
-        </pc:sldMkLst>
-      </pc:sldChg>
-      <pc:sldChg chg="del">
-        <pc:chgData name="Burch, Michael" userId="c61bac37-f303-4899-91e4-95e7d9e47247" providerId="ADAL" clId="{350F6923-3425-E74A-9082-1F6A58783646}" dt="2023-05-11T07:43:04.813" v="7" actId="2696"/>
-        <pc:sldMkLst>
-          <pc:docMk/>
-          <pc:sldMk cId="3371461181" sldId="1573"/>
-        </pc:sldMkLst>
-      </pc:sldChg>
-      <pc:sldChg chg="del">
-        <pc:chgData name="Burch, Michael" userId="c61bac37-f303-4899-91e4-95e7d9e47247" providerId="ADAL" clId="{350F6923-3425-E74A-9082-1F6A58783646}" dt="2023-05-11T07:43:05.133" v="8" actId="2696"/>
-        <pc:sldMkLst>
-          <pc:docMk/>
-          <pc:sldMk cId="3474089893" sldId="1574"/>
-        </pc:sldMkLst>
-      </pc:sldChg>
-      <pc:sldChg chg="del">
-        <pc:chgData name="Burch, Michael" userId="c61bac37-f303-4899-91e4-95e7d9e47247" providerId="ADAL" clId="{350F6923-3425-E74A-9082-1F6A58783646}" dt="2023-05-11T07:43:05.462" v="9" actId="2696"/>
-        <pc:sldMkLst>
-          <pc:docMk/>
-          <pc:sldMk cId="2172075571" sldId="1575"/>
-        </pc:sldMkLst>
-      </pc:sldChg>
-      <pc:sldChg chg="del">
-        <pc:chgData name="Burch, Michael" userId="c61bac37-f303-4899-91e4-95e7d9e47247" providerId="ADAL" clId="{350F6923-3425-E74A-9082-1F6A58783646}" dt="2023-05-11T07:43:05.783" v="10" actId="2696"/>
-        <pc:sldMkLst>
-          <pc:docMk/>
-          <pc:sldMk cId="2130080384" sldId="1576"/>
-        </pc:sldMkLst>
-      </pc:sldChg>
-      <pc:sldChg chg="del">
-        <pc:chgData name="Burch, Michael" userId="c61bac37-f303-4899-91e4-95e7d9e47247" providerId="ADAL" clId="{350F6923-3425-E74A-9082-1F6A58783646}" dt="2023-05-11T07:43:06.133" v="11" actId="2696"/>
-        <pc:sldMkLst>
-          <pc:docMk/>
-          <pc:sldMk cId="983026212" sldId="1577"/>
-        </pc:sldMkLst>
-      </pc:sldChg>
-      <pc:sldChg chg="del">
-        <pc:chgData name="Burch, Michael" userId="c61bac37-f303-4899-91e4-95e7d9e47247" providerId="ADAL" clId="{350F6923-3425-E74A-9082-1F6A58783646}" dt="2023-05-11T07:43:07.450" v="13" actId="2696"/>
-        <pc:sldMkLst>
-          <pc:docMk/>
-          <pc:sldMk cId="1065212487" sldId="1578"/>
-        </pc:sldMkLst>
-      </pc:sldChg>
-      <pc:sldChg chg="del">
-        <pc:chgData name="Burch, Michael" userId="c61bac37-f303-4899-91e4-95e7d9e47247" providerId="ADAL" clId="{350F6923-3425-E74A-9082-1F6A58783646}" dt="2023-05-11T07:43:09.644" v="14" actId="2696"/>
-        <pc:sldMkLst>
-          <pc:docMk/>
-          <pc:sldMk cId="4134961369" sldId="1579"/>
-        </pc:sldMkLst>
-      </pc:sldChg>
-      <pc:sldChg chg="del">
-        <pc:chgData name="Burch, Michael" userId="c61bac37-f303-4899-91e4-95e7d9e47247" providerId="ADAL" clId="{350F6923-3425-E74A-9082-1F6A58783646}" dt="2023-05-11T07:43:10.792" v="15" actId="2696"/>
-        <pc:sldMkLst>
-          <pc:docMk/>
-          <pc:sldMk cId="2538237896" sldId="1580"/>
-        </pc:sldMkLst>
-      </pc:sldChg>
-      <pc:sldChg chg="del">
-        <pc:chgData name="Burch, Michael" userId="c61bac37-f303-4899-91e4-95e7d9e47247" providerId="ADAL" clId="{350F6923-3425-E74A-9082-1F6A58783646}" dt="2023-05-11T07:47:54.187" v="68" actId="2696"/>
-        <pc:sldMkLst>
-          <pc:docMk/>
-          <pc:sldMk cId="1105918467" sldId="1581"/>
-        </pc:sldMkLst>
-      </pc:sldChg>
-      <pc:sldChg chg="del">
-        <pc:chgData name="Burch, Michael" userId="c61bac37-f303-4899-91e4-95e7d9e47247" providerId="ADAL" clId="{350F6923-3425-E74A-9082-1F6A58783646}" dt="2023-05-11T07:43:06.530" v="12" actId="2696"/>
-        <pc:sldMkLst>
-          <pc:docMk/>
-          <pc:sldMk cId="1276492678" sldId="1583"/>
-        </pc:sldMkLst>
-      </pc:sldChg>
-      <pc:sldChg chg="del">
-        <pc:chgData name="Burch, Michael" userId="c61bac37-f303-4899-91e4-95e7d9e47247" providerId="ADAL" clId="{350F6923-3425-E74A-9082-1F6A58783646}" dt="2023-05-11T07:43:00.048" v="0" actId="2696"/>
-        <pc:sldMkLst>
-          <pc:docMk/>
-          <pc:sldMk cId="1076907625" sldId="1588"/>
-        </pc:sldMkLst>
-      </pc:sldChg>
-      <pc:sldChg chg="addSp delSp modSp add mod">
-        <pc:chgData name="Burch, Michael" userId="c61bac37-f303-4899-91e4-95e7d9e47247" providerId="ADAL" clId="{350F6923-3425-E74A-9082-1F6A58783646}" dt="2023-05-11T08:15:06.346" v="218" actId="1076"/>
-        <pc:sldMkLst>
-          <pc:docMk/>
-          <pc:sldMk cId="1200067128" sldId="1588"/>
-        </pc:sldMkLst>
-        <pc:spChg chg="del mod">
-          <ac:chgData name="Burch, Michael" userId="c61bac37-f303-4899-91e4-95e7d9e47247" providerId="ADAL" clId="{350F6923-3425-E74A-9082-1F6A58783646}" dt="2023-05-11T08:12:09.265" v="187" actId="478"/>
-          <ac:spMkLst>
-            <pc:docMk/>
-            <pc:sldMk cId="1200067128" sldId="1588"/>
-            <ac:spMk id="2" creationId="{DF770251-C66F-37B2-FA29-31FE5C038085}"/>
-          </ac:spMkLst>
-        </pc:spChg>
-        <pc:spChg chg="mod">
-          <ac:chgData name="Burch, Michael" userId="c61bac37-f303-4899-91e4-95e7d9e47247" providerId="ADAL" clId="{350F6923-3425-E74A-9082-1F6A58783646}" dt="2023-05-11T07:47:10.785" v="41" actId="1076"/>
-          <ac:spMkLst>
-            <pc:docMk/>
-            <pc:sldMk cId="1200067128" sldId="1588"/>
-            <ac:spMk id="3" creationId="{641BA0E1-8D6C-A9CA-73FE-3B2AE7D021E4}"/>
-          </ac:spMkLst>
-        </pc:spChg>
-        <pc:spChg chg="mod">
-          <ac:chgData name="Burch, Michael" userId="c61bac37-f303-4899-91e4-95e7d9e47247" providerId="ADAL" clId="{350F6923-3425-E74A-9082-1F6A58783646}" dt="2023-05-11T08:12:06.229" v="186" actId="20577"/>
-          <ac:spMkLst>
-            <pc:docMk/>
-            <pc:sldMk cId="1200067128" sldId="1588"/>
-            <ac:spMk id="7" creationId="{F666E8F7-8B25-B437-131E-F8882B62E16E}"/>
-          </ac:spMkLst>
-        </pc:spChg>
-        <pc:spChg chg="add mod">
-          <ac:chgData name="Burch, Michael" userId="c61bac37-f303-4899-91e4-95e7d9e47247" providerId="ADAL" clId="{350F6923-3425-E74A-9082-1F6A58783646}" dt="2023-05-11T08:15:06.346" v="218" actId="1076"/>
-          <ac:spMkLst>
-            <pc:docMk/>
-            <pc:sldMk cId="1200067128" sldId="1588"/>
-            <ac:spMk id="12" creationId="{F9279257-E993-29E7-84E2-189334FFB8D5}"/>
-          </ac:spMkLst>
-        </pc:spChg>
-        <pc:picChg chg="add del mod">
-          <ac:chgData name="Burch, Michael" userId="c61bac37-f303-4899-91e4-95e7d9e47247" providerId="ADAL" clId="{350F6923-3425-E74A-9082-1F6A58783646}" dt="2023-05-11T08:13:40.130" v="191" actId="478"/>
-          <ac:picMkLst>
-            <pc:docMk/>
-            <pc:sldMk cId="1200067128" sldId="1588"/>
-            <ac:picMk id="6" creationId="{565937C7-62BD-C7BC-25B9-D31FC491E4EA}"/>
-          </ac:picMkLst>
-        </pc:picChg>
-        <pc:picChg chg="add mod modCrop">
-          <ac:chgData name="Burch, Michael" userId="c61bac37-f303-4899-91e4-95e7d9e47247" providerId="ADAL" clId="{350F6923-3425-E74A-9082-1F6A58783646}" dt="2023-05-11T08:14:19.613" v="203" actId="1076"/>
-          <ac:picMkLst>
-            <pc:docMk/>
-            <pc:sldMk cId="1200067128" sldId="1588"/>
-            <ac:picMk id="9" creationId="{130DF4DB-0E7D-25A7-A8F7-7C2E53E4FFB6}"/>
-          </ac:picMkLst>
-        </pc:picChg>
-        <pc:picChg chg="add mod">
-          <ac:chgData name="Burch, Michael" userId="c61bac37-f303-4899-91e4-95e7d9e47247" providerId="ADAL" clId="{350F6923-3425-E74A-9082-1F6A58783646}" dt="2023-05-11T08:14:27.948" v="209" actId="1076"/>
-          <ac:picMkLst>
-            <pc:docMk/>
-            <pc:sldMk cId="1200067128" sldId="1588"/>
-            <ac:picMk id="11" creationId="{4CC1D0D8-5EB2-65B7-DBCC-EF489417A3A6}"/>
-          </ac:picMkLst>
-        </pc:picChg>
-      </pc:sldChg>
-      <pc:sldChg chg="modSp add mod">
-        <pc:chgData name="Burch, Michael" userId="c61bac37-f303-4899-91e4-95e7d9e47247" providerId="ADAL" clId="{350F6923-3425-E74A-9082-1F6A58783646}" dt="2023-05-11T08:33:56.086" v="378" actId="20577"/>
-        <pc:sldMkLst>
-          <pc:docMk/>
-          <pc:sldMk cId="3691471691" sldId="1589"/>
-        </pc:sldMkLst>
-        <pc:spChg chg="mod">
-          <ac:chgData name="Burch, Michael" userId="c61bac37-f303-4899-91e4-95e7d9e47247" providerId="ADAL" clId="{350F6923-3425-E74A-9082-1F6A58783646}" dt="2023-05-11T08:32:59.774" v="365" actId="113"/>
-          <ac:spMkLst>
-            <pc:docMk/>
-            <pc:sldMk cId="3691471691" sldId="1589"/>
-            <ac:spMk id="2" creationId="{DF770251-C66F-37B2-FA29-31FE5C038085}"/>
-          </ac:spMkLst>
-        </pc:spChg>
-        <pc:spChg chg="mod">
-          <ac:chgData name="Burch, Michael" userId="c61bac37-f303-4899-91e4-95e7d9e47247" providerId="ADAL" clId="{350F6923-3425-E74A-9082-1F6A58783646}" dt="2023-05-11T08:33:56.086" v="378" actId="20577"/>
-          <ac:spMkLst>
-            <pc:docMk/>
-            <pc:sldMk cId="3691471691" sldId="1589"/>
-            <ac:spMk id="7" creationId="{F666E8F7-8B25-B437-131E-F8882B62E16E}"/>
-          </ac:spMkLst>
-        </pc:spChg>
-      </pc:sldChg>
-      <pc:sldChg chg="addSp delSp modSp add mod ord">
-        <pc:chgData name="Burch, Michael" userId="c61bac37-f303-4899-91e4-95e7d9e47247" providerId="ADAL" clId="{350F6923-3425-E74A-9082-1F6A58783646}" dt="2023-05-11T08:14:49.493" v="216" actId="1076"/>
-        <pc:sldMkLst>
-          <pc:docMk/>
-          <pc:sldMk cId="4083298857" sldId="1590"/>
-        </pc:sldMkLst>
-        <pc:spChg chg="del mod">
-          <ac:chgData name="Burch, Michael" userId="c61bac37-f303-4899-91e4-95e7d9e47247" providerId="ADAL" clId="{350F6923-3425-E74A-9082-1F6A58783646}" dt="2023-05-11T07:49:12.952" v="90" actId="478"/>
-          <ac:spMkLst>
-            <pc:docMk/>
-            <pc:sldMk cId="4083298857" sldId="1590"/>
-            <ac:spMk id="2" creationId="{DF770251-C66F-37B2-FA29-31FE5C038085}"/>
-          </ac:spMkLst>
-        </pc:spChg>
-        <pc:spChg chg="add del mod">
-          <ac:chgData name="Burch, Michael" userId="c61bac37-f303-4899-91e4-95e7d9e47247" providerId="ADAL" clId="{350F6923-3425-E74A-9082-1F6A58783646}" dt="2023-05-11T07:49:24.246" v="94" actId="478"/>
-          <ac:spMkLst>
-            <pc:docMk/>
-            <pc:sldMk cId="4083298857" sldId="1590"/>
-            <ac:spMk id="5" creationId="{FC9DD4CD-31A7-A2C5-01A0-388F124D7E14}"/>
-          </ac:spMkLst>
-        </pc:spChg>
-        <pc:spChg chg="mod">
-          <ac:chgData name="Burch, Michael" userId="c61bac37-f303-4899-91e4-95e7d9e47247" providerId="ADAL" clId="{350F6923-3425-E74A-9082-1F6A58783646}" dt="2023-05-11T08:06:41.078" v="117" actId="20577"/>
-          <ac:spMkLst>
-            <pc:docMk/>
-            <pc:sldMk cId="4083298857" sldId="1590"/>
-            <ac:spMk id="7" creationId="{F666E8F7-8B25-B437-131E-F8882B62E16E}"/>
-          </ac:spMkLst>
-        </pc:spChg>
-        <pc:spChg chg="add mod">
-          <ac:chgData name="Burch, Michael" userId="c61bac37-f303-4899-91e4-95e7d9e47247" providerId="ADAL" clId="{350F6923-3425-E74A-9082-1F6A58783646}" dt="2023-05-11T08:14:49.493" v="216" actId="1076"/>
-          <ac:spMkLst>
-            <pc:docMk/>
-            <pc:sldMk cId="4083298857" sldId="1590"/>
-            <ac:spMk id="13" creationId="{A4C52426-87A7-6733-3157-9F6D9520A5D6}"/>
-          </ac:spMkLst>
-        </pc:spChg>
-        <pc:picChg chg="add mod modCrop">
-          <ac:chgData name="Burch, Michael" userId="c61bac37-f303-4899-91e4-95e7d9e47247" providerId="ADAL" clId="{350F6923-3425-E74A-9082-1F6A58783646}" dt="2023-05-11T08:14:38.951" v="212" actId="1076"/>
-          <ac:picMkLst>
-            <pc:docMk/>
-            <pc:sldMk cId="4083298857" sldId="1590"/>
-            <ac:picMk id="8" creationId="{9892F158-A303-CA5C-D6E3-5359E4F21C3E}"/>
-          </ac:picMkLst>
-        </pc:picChg>
-        <pc:picChg chg="add mod">
-          <ac:chgData name="Burch, Michael" userId="c61bac37-f303-4899-91e4-95e7d9e47247" providerId="ADAL" clId="{350F6923-3425-E74A-9082-1F6A58783646}" dt="2023-05-11T08:14:46.589" v="215" actId="1076"/>
-          <ac:picMkLst>
-            <pc:docMk/>
-            <pc:sldMk cId="4083298857" sldId="1590"/>
-            <ac:picMk id="10" creationId="{96573FE4-0417-A597-4D0B-E162A509F9C2}"/>
-          </ac:picMkLst>
-        </pc:picChg>
-        <pc:cxnChg chg="add del">
-          <ac:chgData name="Burch, Michael" userId="c61bac37-f303-4899-91e4-95e7d9e47247" providerId="ADAL" clId="{350F6923-3425-E74A-9082-1F6A58783646}" dt="2023-05-11T08:07:12.654" v="129" actId="478"/>
-          <ac:cxnSpMkLst>
-            <pc:docMk/>
-            <pc:sldMk cId="4083298857" sldId="1590"/>
-            <ac:cxnSpMk id="12" creationId="{35C1032F-26BD-0151-7AD1-0304C64C3562}"/>
-          </ac:cxnSpMkLst>
-        </pc:cxnChg>
-      </pc:sldChg>
-      <pc:sldChg chg="modSp add mod">
-        <pc:chgData name="Burch, Michael" userId="c61bac37-f303-4899-91e4-95e7d9e47247" providerId="ADAL" clId="{350F6923-3425-E74A-9082-1F6A58783646}" dt="2023-05-11T08:34:05.506" v="387" actId="20577"/>
-        <pc:sldMkLst>
-          <pc:docMk/>
-          <pc:sldMk cId="654984513" sldId="1591"/>
-        </pc:sldMkLst>
-        <pc:spChg chg="mod">
-          <ac:chgData name="Burch, Michael" userId="c61bac37-f303-4899-91e4-95e7d9e47247" providerId="ADAL" clId="{350F6923-3425-E74A-9082-1F6A58783646}" dt="2023-05-11T08:33:03.959" v="366" actId="113"/>
-          <ac:spMkLst>
-            <pc:docMk/>
-            <pc:sldMk cId="654984513" sldId="1591"/>
-            <ac:spMk id="2" creationId="{DF770251-C66F-37B2-FA29-31FE5C038085}"/>
-          </ac:spMkLst>
-        </pc:spChg>
-        <pc:spChg chg="mod">
-          <ac:chgData name="Burch, Michael" userId="c61bac37-f303-4899-91e4-95e7d9e47247" providerId="ADAL" clId="{350F6923-3425-E74A-9082-1F6A58783646}" dt="2023-05-11T08:34:05.506" v="387" actId="20577"/>
-          <ac:spMkLst>
-            <pc:docMk/>
-            <pc:sldMk cId="654984513" sldId="1591"/>
-            <ac:spMk id="7" creationId="{F666E8F7-8B25-B437-131E-F8882B62E16E}"/>
-          </ac:spMkLst>
-        </pc:spChg>
-      </pc:sldChg>
-      <pc:sldMasterChg chg="delSldLayout">
-        <pc:chgData name="Burch, Michael" userId="c61bac37-f303-4899-91e4-95e7d9e47247" providerId="ADAL" clId="{350F6923-3425-E74A-9082-1F6A58783646}" dt="2023-05-11T07:43:02.001" v="3" actId="2696"/>
-        <pc:sldMasterMkLst>
-          <pc:docMk/>
-          <pc:sldMasterMk cId="4246037650" sldId="2147483660"/>
-        </pc:sldMasterMkLst>
-        <pc:sldLayoutChg chg="del">
-          <pc:chgData name="Burch, Michael" userId="c61bac37-f303-4899-91e4-95e7d9e47247" providerId="ADAL" clId="{350F6923-3425-E74A-9082-1F6A58783646}" dt="2023-05-11T07:43:02.001" v="3" actId="2696"/>
-          <pc:sldLayoutMkLst>
-            <pc:docMk/>
-            <pc:sldMasterMk cId="4246037650" sldId="2147483660"/>
-            <pc:sldLayoutMk cId="841433079" sldId="2147483707"/>
-          </pc:sldLayoutMkLst>
-        </pc:sldLayoutChg>
-      </pc:sldMasterChg>
-    </pc:docChg>
-  </pc:docChgLst>
-  <pc:docChgLst>
-    <pc:chgData name="Wu, Jing" userId="S::jing.wu@unisg.ch::185a692c-9f7b-4ee2-912c-20396d42d98e" providerId="AD" clId="Web-{1A00FD38-D445-403B-944B-4F3D0F251F26}"/>
-    <pc:docChg chg="delSld">
-      <pc:chgData name="Wu, Jing" userId="S::jing.wu@unisg.ch::185a692c-9f7b-4ee2-912c-20396d42d98e" providerId="AD" clId="Web-{1A00FD38-D445-403B-944B-4F3D0F251F26}" dt="2023-05-18T21:37:18.801" v="0"/>
-      <pc:docMkLst>
-        <pc:docMk/>
-      </pc:docMkLst>
-      <pc:sldChg chg="del">
-        <pc:chgData name="Wu, Jing" userId="S::jing.wu@unisg.ch::185a692c-9f7b-4ee2-912c-20396d42d98e" providerId="AD" clId="Web-{1A00FD38-D445-403B-944B-4F3D0F251F26}" dt="2023-05-18T21:37:18.801" v="0"/>
-        <pc:sldMkLst>
-          <pc:docMk/>
-          <pc:sldMk cId="2456456787" sldId="1598"/>
-        </pc:sldMkLst>
-      </pc:sldChg>
-    </pc:docChg>
-  </pc:docChgLst>
-  <pc:docChgLst>
-    <pc:chgData name="Bonilla, LeaMarta" userId="aa5362c7-0476-4c50-b52f-35c2791cd063" providerId="ADAL" clId="{59589261-44A9-774D-989B-D9F4E371B186}"/>
-    <pc:docChg chg="modSld">
-      <pc:chgData name="Bonilla, LeaMarta" userId="aa5362c7-0476-4c50-b52f-35c2791cd063" providerId="ADAL" clId="{59589261-44A9-774D-989B-D9F4E371B186}" dt="2023-05-18T17:50:32.317" v="1" actId="20577"/>
-      <pc:docMkLst>
-        <pc:docMk/>
-      </pc:docMkLst>
-      <pc:sldChg chg="modSp">
-        <pc:chgData name="Bonilla, LeaMarta" userId="aa5362c7-0476-4c50-b52f-35c2791cd063" providerId="ADAL" clId="{59589261-44A9-774D-989B-D9F4E371B186}" dt="2023-05-18T17:50:32.317" v="1" actId="20577"/>
-        <pc:sldMkLst>
-          <pc:docMk/>
-          <pc:sldMk cId="723318487" sldId="1582"/>
-        </pc:sldMkLst>
-        <pc:spChg chg="mod">
-          <ac:chgData name="Bonilla, LeaMarta" userId="aa5362c7-0476-4c50-b52f-35c2791cd063" providerId="ADAL" clId="{59589261-44A9-774D-989B-D9F4E371B186}" dt="2023-05-18T17:50:32.317" v="1" actId="20577"/>
-          <ac:spMkLst>
-            <pc:docMk/>
-            <pc:sldMk cId="723318487" sldId="1582"/>
-            <ac:spMk id="6" creationId="{F5EEC294-B771-D940-6194-AB1896DE8ECA}"/>
+            <pc:sldMk cId="1141813345" sldId="1594"/>
+            <ac:spMk id="6" creationId="{608BCD98-03F0-7525-A7F0-853A15731A3F}"/>
           </ac:spMkLst>
         </pc:spChg>
       </pc:sldChg>
@@ -1833,6 +1456,407 @@
       </pc:sldChg>
     </pc:docChg>
   </pc:docChgLst>
+  <pc:docChgLst>
+    <pc:chgData name="Burch, Michael" userId="c61bac37-f303-4899-91e4-95e7d9e47247" providerId="ADAL" clId="{350F6923-3425-E74A-9082-1F6A58783646}"/>
+    <pc:docChg chg="undo custSel addSld delSld modSld sldOrd">
+      <pc:chgData name="Burch, Michael" userId="c61bac37-f303-4899-91e4-95e7d9e47247" providerId="ADAL" clId="{350F6923-3425-E74A-9082-1F6A58783646}" dt="2023-05-11T08:35:46.401" v="416" actId="27636"/>
+      <pc:docMkLst>
+        <pc:docMk/>
+      </pc:docMkLst>
+      <pc:sldChg chg="del">
+        <pc:chgData name="Burch, Michael" userId="c61bac37-f303-4899-91e4-95e7d9e47247" providerId="ADAL" clId="{350F6923-3425-E74A-9082-1F6A58783646}" dt="2023-05-11T07:43:02.001" v="3" actId="2696"/>
+        <pc:sldMkLst>
+          <pc:docMk/>
+          <pc:sldMk cId="2597776529" sldId="288"/>
+        </pc:sldMkLst>
+      </pc:sldChg>
+      <pc:sldChg chg="modSp mod">
+        <pc:chgData name="Burch, Michael" userId="c61bac37-f303-4899-91e4-95e7d9e47247" providerId="ADAL" clId="{350F6923-3425-E74A-9082-1F6A58783646}" dt="2023-05-11T08:16:10.069" v="251" actId="1076"/>
+        <pc:sldMkLst>
+          <pc:docMk/>
+          <pc:sldMk cId="3241705055" sldId="1537"/>
+        </pc:sldMkLst>
+        <pc:spChg chg="mod">
+          <ac:chgData name="Burch, Michael" userId="c61bac37-f303-4899-91e4-95e7d9e47247" providerId="ADAL" clId="{350F6923-3425-E74A-9082-1F6A58783646}" dt="2023-05-11T08:16:10.069" v="251" actId="1076"/>
+          <ac:spMkLst>
+            <pc:docMk/>
+            <pc:sldMk cId="3241705055" sldId="1537"/>
+            <ac:spMk id="2" creationId="{A92E3E48-FF8A-5E4C-67CC-8B0608A09C2C}"/>
+          </ac:spMkLst>
+        </pc:spChg>
+      </pc:sldChg>
+      <pc:sldChg chg="modSp mod">
+        <pc:chgData name="Burch, Michael" userId="c61bac37-f303-4899-91e4-95e7d9e47247" providerId="ADAL" clId="{350F6923-3425-E74A-9082-1F6A58783646}" dt="2023-05-11T08:35:46.401" v="416" actId="27636"/>
+        <pc:sldMkLst>
+          <pc:docMk/>
+          <pc:sldMk cId="3555160724" sldId="1551"/>
+        </pc:sldMkLst>
+        <pc:spChg chg="mod">
+          <ac:chgData name="Burch, Michael" userId="c61bac37-f303-4899-91e4-95e7d9e47247" providerId="ADAL" clId="{350F6923-3425-E74A-9082-1F6A58783646}" dt="2023-05-11T08:35:46.401" v="416" actId="27636"/>
+          <ac:spMkLst>
+            <pc:docMk/>
+            <pc:sldMk cId="3555160724" sldId="1551"/>
+            <ac:spMk id="2" creationId="{DF770251-C66F-37B2-FA29-31FE5C038085}"/>
+          </ac:spMkLst>
+        </pc:spChg>
+        <pc:spChg chg="mod">
+          <ac:chgData name="Burch, Michael" userId="c61bac37-f303-4899-91e4-95e7d9e47247" providerId="ADAL" clId="{350F6923-3425-E74A-9082-1F6A58783646}" dt="2023-05-11T07:46:49.850" v="36" actId="20577"/>
+          <ac:spMkLst>
+            <pc:docMk/>
+            <pc:sldMk cId="3555160724" sldId="1551"/>
+            <ac:spMk id="3" creationId="{641BA0E1-8D6C-A9CA-73FE-3B2AE7D021E4}"/>
+          </ac:spMkLst>
+        </pc:spChg>
+        <pc:spChg chg="mod">
+          <ac:chgData name="Burch, Michael" userId="c61bac37-f303-4899-91e4-95e7d9e47247" providerId="ADAL" clId="{350F6923-3425-E74A-9082-1F6A58783646}" dt="2023-05-11T07:45:07.222" v="35" actId="20577"/>
+          <ac:spMkLst>
+            <pc:docMk/>
+            <pc:sldMk cId="3555160724" sldId="1551"/>
+            <ac:spMk id="7" creationId="{F666E8F7-8B25-B437-131E-F8882B62E16E}"/>
+          </ac:spMkLst>
+        </pc:spChg>
+      </pc:sldChg>
+      <pc:sldChg chg="del">
+        <pc:chgData name="Burch, Michael" userId="c61bac37-f303-4899-91e4-95e7d9e47247" providerId="ADAL" clId="{350F6923-3425-E74A-9082-1F6A58783646}" dt="2023-05-11T07:43:01.074" v="1" actId="2696"/>
+        <pc:sldMkLst>
+          <pc:docMk/>
+          <pc:sldMk cId="2741464550" sldId="1567"/>
+        </pc:sldMkLst>
+      </pc:sldChg>
+      <pc:sldChg chg="del">
+        <pc:chgData name="Burch, Michael" userId="c61bac37-f303-4899-91e4-95e7d9e47247" providerId="ADAL" clId="{350F6923-3425-E74A-9082-1F6A58783646}" dt="2023-05-11T07:43:01.620" v="2" actId="2696"/>
+        <pc:sldMkLst>
+          <pc:docMk/>
+          <pc:sldMk cId="3246657454" sldId="1568"/>
+        </pc:sldMkLst>
+      </pc:sldChg>
+      <pc:sldChg chg="del">
+        <pc:chgData name="Burch, Michael" userId="c61bac37-f303-4899-91e4-95e7d9e47247" providerId="ADAL" clId="{350F6923-3425-E74A-9082-1F6A58783646}" dt="2023-05-11T07:43:02.506" v="4" actId="2696"/>
+        <pc:sldMkLst>
+          <pc:docMk/>
+          <pc:sldMk cId="761030588" sldId="1570"/>
+        </pc:sldMkLst>
+      </pc:sldChg>
+      <pc:sldChg chg="del">
+        <pc:chgData name="Burch, Michael" userId="c61bac37-f303-4899-91e4-95e7d9e47247" providerId="ADAL" clId="{350F6923-3425-E74A-9082-1F6A58783646}" dt="2023-05-11T07:43:03.065" v="5" actId="2696"/>
+        <pc:sldMkLst>
+          <pc:docMk/>
+          <pc:sldMk cId="3967757145" sldId="1571"/>
+        </pc:sldMkLst>
+      </pc:sldChg>
+      <pc:sldChg chg="del">
+        <pc:chgData name="Burch, Michael" userId="c61bac37-f303-4899-91e4-95e7d9e47247" providerId="ADAL" clId="{350F6923-3425-E74A-9082-1F6A58783646}" dt="2023-05-11T07:43:04.335" v="6" actId="2696"/>
+        <pc:sldMkLst>
+          <pc:docMk/>
+          <pc:sldMk cId="2574699634" sldId="1572"/>
+        </pc:sldMkLst>
+      </pc:sldChg>
+      <pc:sldChg chg="del">
+        <pc:chgData name="Burch, Michael" userId="c61bac37-f303-4899-91e4-95e7d9e47247" providerId="ADAL" clId="{350F6923-3425-E74A-9082-1F6A58783646}" dt="2023-05-11T07:43:04.813" v="7" actId="2696"/>
+        <pc:sldMkLst>
+          <pc:docMk/>
+          <pc:sldMk cId="3371461181" sldId="1573"/>
+        </pc:sldMkLst>
+      </pc:sldChg>
+      <pc:sldChg chg="del">
+        <pc:chgData name="Burch, Michael" userId="c61bac37-f303-4899-91e4-95e7d9e47247" providerId="ADAL" clId="{350F6923-3425-E74A-9082-1F6A58783646}" dt="2023-05-11T07:43:05.133" v="8" actId="2696"/>
+        <pc:sldMkLst>
+          <pc:docMk/>
+          <pc:sldMk cId="3474089893" sldId="1574"/>
+        </pc:sldMkLst>
+      </pc:sldChg>
+      <pc:sldChg chg="del">
+        <pc:chgData name="Burch, Michael" userId="c61bac37-f303-4899-91e4-95e7d9e47247" providerId="ADAL" clId="{350F6923-3425-E74A-9082-1F6A58783646}" dt="2023-05-11T07:43:05.462" v="9" actId="2696"/>
+        <pc:sldMkLst>
+          <pc:docMk/>
+          <pc:sldMk cId="2172075571" sldId="1575"/>
+        </pc:sldMkLst>
+      </pc:sldChg>
+      <pc:sldChg chg="del">
+        <pc:chgData name="Burch, Michael" userId="c61bac37-f303-4899-91e4-95e7d9e47247" providerId="ADAL" clId="{350F6923-3425-E74A-9082-1F6A58783646}" dt="2023-05-11T07:43:05.783" v="10" actId="2696"/>
+        <pc:sldMkLst>
+          <pc:docMk/>
+          <pc:sldMk cId="2130080384" sldId="1576"/>
+        </pc:sldMkLst>
+      </pc:sldChg>
+      <pc:sldChg chg="del">
+        <pc:chgData name="Burch, Michael" userId="c61bac37-f303-4899-91e4-95e7d9e47247" providerId="ADAL" clId="{350F6923-3425-E74A-9082-1F6A58783646}" dt="2023-05-11T07:43:06.133" v="11" actId="2696"/>
+        <pc:sldMkLst>
+          <pc:docMk/>
+          <pc:sldMk cId="983026212" sldId="1577"/>
+        </pc:sldMkLst>
+      </pc:sldChg>
+      <pc:sldChg chg="del">
+        <pc:chgData name="Burch, Michael" userId="c61bac37-f303-4899-91e4-95e7d9e47247" providerId="ADAL" clId="{350F6923-3425-E74A-9082-1F6A58783646}" dt="2023-05-11T07:43:07.450" v="13" actId="2696"/>
+        <pc:sldMkLst>
+          <pc:docMk/>
+          <pc:sldMk cId="1065212487" sldId="1578"/>
+        </pc:sldMkLst>
+      </pc:sldChg>
+      <pc:sldChg chg="del">
+        <pc:chgData name="Burch, Michael" userId="c61bac37-f303-4899-91e4-95e7d9e47247" providerId="ADAL" clId="{350F6923-3425-E74A-9082-1F6A58783646}" dt="2023-05-11T07:43:09.644" v="14" actId="2696"/>
+        <pc:sldMkLst>
+          <pc:docMk/>
+          <pc:sldMk cId="4134961369" sldId="1579"/>
+        </pc:sldMkLst>
+      </pc:sldChg>
+      <pc:sldChg chg="del">
+        <pc:chgData name="Burch, Michael" userId="c61bac37-f303-4899-91e4-95e7d9e47247" providerId="ADAL" clId="{350F6923-3425-E74A-9082-1F6A58783646}" dt="2023-05-11T07:43:10.792" v="15" actId="2696"/>
+        <pc:sldMkLst>
+          <pc:docMk/>
+          <pc:sldMk cId="2538237896" sldId="1580"/>
+        </pc:sldMkLst>
+      </pc:sldChg>
+      <pc:sldChg chg="del">
+        <pc:chgData name="Burch, Michael" userId="c61bac37-f303-4899-91e4-95e7d9e47247" providerId="ADAL" clId="{350F6923-3425-E74A-9082-1F6A58783646}" dt="2023-05-11T07:47:54.187" v="68" actId="2696"/>
+        <pc:sldMkLst>
+          <pc:docMk/>
+          <pc:sldMk cId="1105918467" sldId="1581"/>
+        </pc:sldMkLst>
+      </pc:sldChg>
+      <pc:sldChg chg="del">
+        <pc:chgData name="Burch, Michael" userId="c61bac37-f303-4899-91e4-95e7d9e47247" providerId="ADAL" clId="{350F6923-3425-E74A-9082-1F6A58783646}" dt="2023-05-11T07:43:06.530" v="12" actId="2696"/>
+        <pc:sldMkLst>
+          <pc:docMk/>
+          <pc:sldMk cId="1276492678" sldId="1583"/>
+        </pc:sldMkLst>
+      </pc:sldChg>
+      <pc:sldChg chg="del">
+        <pc:chgData name="Burch, Michael" userId="c61bac37-f303-4899-91e4-95e7d9e47247" providerId="ADAL" clId="{350F6923-3425-E74A-9082-1F6A58783646}" dt="2023-05-11T07:43:00.048" v="0" actId="2696"/>
+        <pc:sldMkLst>
+          <pc:docMk/>
+          <pc:sldMk cId="1076907625" sldId="1588"/>
+        </pc:sldMkLst>
+      </pc:sldChg>
+      <pc:sldChg chg="addSp delSp modSp add mod">
+        <pc:chgData name="Burch, Michael" userId="c61bac37-f303-4899-91e4-95e7d9e47247" providerId="ADAL" clId="{350F6923-3425-E74A-9082-1F6A58783646}" dt="2023-05-11T08:15:06.346" v="218" actId="1076"/>
+        <pc:sldMkLst>
+          <pc:docMk/>
+          <pc:sldMk cId="1200067128" sldId="1588"/>
+        </pc:sldMkLst>
+        <pc:spChg chg="del mod">
+          <ac:chgData name="Burch, Michael" userId="c61bac37-f303-4899-91e4-95e7d9e47247" providerId="ADAL" clId="{350F6923-3425-E74A-9082-1F6A58783646}" dt="2023-05-11T08:12:09.265" v="187" actId="478"/>
+          <ac:spMkLst>
+            <pc:docMk/>
+            <pc:sldMk cId="1200067128" sldId="1588"/>
+            <ac:spMk id="2" creationId="{DF770251-C66F-37B2-FA29-31FE5C038085}"/>
+          </ac:spMkLst>
+        </pc:spChg>
+        <pc:spChg chg="mod">
+          <ac:chgData name="Burch, Michael" userId="c61bac37-f303-4899-91e4-95e7d9e47247" providerId="ADAL" clId="{350F6923-3425-E74A-9082-1F6A58783646}" dt="2023-05-11T07:47:10.785" v="41" actId="1076"/>
+          <ac:spMkLst>
+            <pc:docMk/>
+            <pc:sldMk cId="1200067128" sldId="1588"/>
+            <ac:spMk id="3" creationId="{641BA0E1-8D6C-A9CA-73FE-3B2AE7D021E4}"/>
+          </ac:spMkLst>
+        </pc:spChg>
+        <pc:spChg chg="mod">
+          <ac:chgData name="Burch, Michael" userId="c61bac37-f303-4899-91e4-95e7d9e47247" providerId="ADAL" clId="{350F6923-3425-E74A-9082-1F6A58783646}" dt="2023-05-11T08:12:06.229" v="186" actId="20577"/>
+          <ac:spMkLst>
+            <pc:docMk/>
+            <pc:sldMk cId="1200067128" sldId="1588"/>
+            <ac:spMk id="7" creationId="{F666E8F7-8B25-B437-131E-F8882B62E16E}"/>
+          </ac:spMkLst>
+        </pc:spChg>
+        <pc:spChg chg="add mod">
+          <ac:chgData name="Burch, Michael" userId="c61bac37-f303-4899-91e4-95e7d9e47247" providerId="ADAL" clId="{350F6923-3425-E74A-9082-1F6A58783646}" dt="2023-05-11T08:15:06.346" v="218" actId="1076"/>
+          <ac:spMkLst>
+            <pc:docMk/>
+            <pc:sldMk cId="1200067128" sldId="1588"/>
+            <ac:spMk id="12" creationId="{F9279257-E993-29E7-84E2-189334FFB8D5}"/>
+          </ac:spMkLst>
+        </pc:spChg>
+        <pc:picChg chg="add del mod">
+          <ac:chgData name="Burch, Michael" userId="c61bac37-f303-4899-91e4-95e7d9e47247" providerId="ADAL" clId="{350F6923-3425-E74A-9082-1F6A58783646}" dt="2023-05-11T08:13:40.130" v="191" actId="478"/>
+          <ac:picMkLst>
+            <pc:docMk/>
+            <pc:sldMk cId="1200067128" sldId="1588"/>
+            <ac:picMk id="6" creationId="{565937C7-62BD-C7BC-25B9-D31FC491E4EA}"/>
+          </ac:picMkLst>
+        </pc:picChg>
+        <pc:picChg chg="add mod modCrop">
+          <ac:chgData name="Burch, Michael" userId="c61bac37-f303-4899-91e4-95e7d9e47247" providerId="ADAL" clId="{350F6923-3425-E74A-9082-1F6A58783646}" dt="2023-05-11T08:14:19.613" v="203" actId="1076"/>
+          <ac:picMkLst>
+            <pc:docMk/>
+            <pc:sldMk cId="1200067128" sldId="1588"/>
+            <ac:picMk id="9" creationId="{130DF4DB-0E7D-25A7-A8F7-7C2E53E4FFB6}"/>
+          </ac:picMkLst>
+        </pc:picChg>
+        <pc:picChg chg="add mod">
+          <ac:chgData name="Burch, Michael" userId="c61bac37-f303-4899-91e4-95e7d9e47247" providerId="ADAL" clId="{350F6923-3425-E74A-9082-1F6A58783646}" dt="2023-05-11T08:14:27.948" v="209" actId="1076"/>
+          <ac:picMkLst>
+            <pc:docMk/>
+            <pc:sldMk cId="1200067128" sldId="1588"/>
+            <ac:picMk id="11" creationId="{4CC1D0D8-5EB2-65B7-DBCC-EF489417A3A6}"/>
+          </ac:picMkLst>
+        </pc:picChg>
+      </pc:sldChg>
+      <pc:sldChg chg="modSp add mod">
+        <pc:chgData name="Burch, Michael" userId="c61bac37-f303-4899-91e4-95e7d9e47247" providerId="ADAL" clId="{350F6923-3425-E74A-9082-1F6A58783646}" dt="2023-05-11T08:33:56.086" v="378" actId="20577"/>
+        <pc:sldMkLst>
+          <pc:docMk/>
+          <pc:sldMk cId="3691471691" sldId="1589"/>
+        </pc:sldMkLst>
+        <pc:spChg chg="mod">
+          <ac:chgData name="Burch, Michael" userId="c61bac37-f303-4899-91e4-95e7d9e47247" providerId="ADAL" clId="{350F6923-3425-E74A-9082-1F6A58783646}" dt="2023-05-11T08:32:59.774" v="365" actId="113"/>
+          <ac:spMkLst>
+            <pc:docMk/>
+            <pc:sldMk cId="3691471691" sldId="1589"/>
+            <ac:spMk id="2" creationId="{DF770251-C66F-37B2-FA29-31FE5C038085}"/>
+          </ac:spMkLst>
+        </pc:spChg>
+        <pc:spChg chg="mod">
+          <ac:chgData name="Burch, Michael" userId="c61bac37-f303-4899-91e4-95e7d9e47247" providerId="ADAL" clId="{350F6923-3425-E74A-9082-1F6A58783646}" dt="2023-05-11T08:33:56.086" v="378" actId="20577"/>
+          <ac:spMkLst>
+            <pc:docMk/>
+            <pc:sldMk cId="3691471691" sldId="1589"/>
+            <ac:spMk id="7" creationId="{F666E8F7-8B25-B437-131E-F8882B62E16E}"/>
+          </ac:spMkLst>
+        </pc:spChg>
+      </pc:sldChg>
+      <pc:sldChg chg="addSp delSp modSp add mod ord">
+        <pc:chgData name="Burch, Michael" userId="c61bac37-f303-4899-91e4-95e7d9e47247" providerId="ADAL" clId="{350F6923-3425-E74A-9082-1F6A58783646}" dt="2023-05-11T08:14:49.493" v="216" actId="1076"/>
+        <pc:sldMkLst>
+          <pc:docMk/>
+          <pc:sldMk cId="4083298857" sldId="1590"/>
+        </pc:sldMkLst>
+        <pc:spChg chg="del mod">
+          <ac:chgData name="Burch, Michael" userId="c61bac37-f303-4899-91e4-95e7d9e47247" providerId="ADAL" clId="{350F6923-3425-E74A-9082-1F6A58783646}" dt="2023-05-11T07:49:12.952" v="90" actId="478"/>
+          <ac:spMkLst>
+            <pc:docMk/>
+            <pc:sldMk cId="4083298857" sldId="1590"/>
+            <ac:spMk id="2" creationId="{DF770251-C66F-37B2-FA29-31FE5C038085}"/>
+          </ac:spMkLst>
+        </pc:spChg>
+        <pc:spChg chg="add del mod">
+          <ac:chgData name="Burch, Michael" userId="c61bac37-f303-4899-91e4-95e7d9e47247" providerId="ADAL" clId="{350F6923-3425-E74A-9082-1F6A58783646}" dt="2023-05-11T07:49:24.246" v="94" actId="478"/>
+          <ac:spMkLst>
+            <pc:docMk/>
+            <pc:sldMk cId="4083298857" sldId="1590"/>
+            <ac:spMk id="5" creationId="{FC9DD4CD-31A7-A2C5-01A0-388F124D7E14}"/>
+          </ac:spMkLst>
+        </pc:spChg>
+        <pc:spChg chg="mod">
+          <ac:chgData name="Burch, Michael" userId="c61bac37-f303-4899-91e4-95e7d9e47247" providerId="ADAL" clId="{350F6923-3425-E74A-9082-1F6A58783646}" dt="2023-05-11T08:06:41.078" v="117" actId="20577"/>
+          <ac:spMkLst>
+            <pc:docMk/>
+            <pc:sldMk cId="4083298857" sldId="1590"/>
+            <ac:spMk id="7" creationId="{F666E8F7-8B25-B437-131E-F8882B62E16E}"/>
+          </ac:spMkLst>
+        </pc:spChg>
+        <pc:spChg chg="add mod">
+          <ac:chgData name="Burch, Michael" userId="c61bac37-f303-4899-91e4-95e7d9e47247" providerId="ADAL" clId="{350F6923-3425-E74A-9082-1F6A58783646}" dt="2023-05-11T08:14:49.493" v="216" actId="1076"/>
+          <ac:spMkLst>
+            <pc:docMk/>
+            <pc:sldMk cId="4083298857" sldId="1590"/>
+            <ac:spMk id="13" creationId="{A4C52426-87A7-6733-3157-9F6D9520A5D6}"/>
+          </ac:spMkLst>
+        </pc:spChg>
+        <pc:picChg chg="add mod modCrop">
+          <ac:chgData name="Burch, Michael" userId="c61bac37-f303-4899-91e4-95e7d9e47247" providerId="ADAL" clId="{350F6923-3425-E74A-9082-1F6A58783646}" dt="2023-05-11T08:14:38.951" v="212" actId="1076"/>
+          <ac:picMkLst>
+            <pc:docMk/>
+            <pc:sldMk cId="4083298857" sldId="1590"/>
+            <ac:picMk id="8" creationId="{9892F158-A303-CA5C-D6E3-5359E4F21C3E}"/>
+          </ac:picMkLst>
+        </pc:picChg>
+        <pc:picChg chg="add mod">
+          <ac:chgData name="Burch, Michael" userId="c61bac37-f303-4899-91e4-95e7d9e47247" providerId="ADAL" clId="{350F6923-3425-E74A-9082-1F6A58783646}" dt="2023-05-11T08:14:46.589" v="215" actId="1076"/>
+          <ac:picMkLst>
+            <pc:docMk/>
+            <pc:sldMk cId="4083298857" sldId="1590"/>
+            <ac:picMk id="10" creationId="{96573FE4-0417-A597-4D0B-E162A509F9C2}"/>
+          </ac:picMkLst>
+        </pc:picChg>
+        <pc:cxnChg chg="add del">
+          <ac:chgData name="Burch, Michael" userId="c61bac37-f303-4899-91e4-95e7d9e47247" providerId="ADAL" clId="{350F6923-3425-E74A-9082-1F6A58783646}" dt="2023-05-11T08:07:12.654" v="129" actId="478"/>
+          <ac:cxnSpMkLst>
+            <pc:docMk/>
+            <pc:sldMk cId="4083298857" sldId="1590"/>
+            <ac:cxnSpMk id="12" creationId="{35C1032F-26BD-0151-7AD1-0304C64C3562}"/>
+          </ac:cxnSpMkLst>
+        </pc:cxnChg>
+      </pc:sldChg>
+      <pc:sldChg chg="modSp add mod">
+        <pc:chgData name="Burch, Michael" userId="c61bac37-f303-4899-91e4-95e7d9e47247" providerId="ADAL" clId="{350F6923-3425-E74A-9082-1F6A58783646}" dt="2023-05-11T08:34:05.506" v="387" actId="20577"/>
+        <pc:sldMkLst>
+          <pc:docMk/>
+          <pc:sldMk cId="654984513" sldId="1591"/>
+        </pc:sldMkLst>
+        <pc:spChg chg="mod">
+          <ac:chgData name="Burch, Michael" userId="c61bac37-f303-4899-91e4-95e7d9e47247" providerId="ADAL" clId="{350F6923-3425-E74A-9082-1F6A58783646}" dt="2023-05-11T08:33:03.959" v="366" actId="113"/>
+          <ac:spMkLst>
+            <pc:docMk/>
+            <pc:sldMk cId="654984513" sldId="1591"/>
+            <ac:spMk id="2" creationId="{DF770251-C66F-37B2-FA29-31FE5C038085}"/>
+          </ac:spMkLst>
+        </pc:spChg>
+        <pc:spChg chg="mod">
+          <ac:chgData name="Burch, Michael" userId="c61bac37-f303-4899-91e4-95e7d9e47247" providerId="ADAL" clId="{350F6923-3425-E74A-9082-1F6A58783646}" dt="2023-05-11T08:34:05.506" v="387" actId="20577"/>
+          <ac:spMkLst>
+            <pc:docMk/>
+            <pc:sldMk cId="654984513" sldId="1591"/>
+            <ac:spMk id="7" creationId="{F666E8F7-8B25-B437-131E-F8882B62E16E}"/>
+          </ac:spMkLst>
+        </pc:spChg>
+      </pc:sldChg>
+      <pc:sldMasterChg chg="delSldLayout">
+        <pc:chgData name="Burch, Michael" userId="c61bac37-f303-4899-91e4-95e7d9e47247" providerId="ADAL" clId="{350F6923-3425-E74A-9082-1F6A58783646}" dt="2023-05-11T07:43:02.001" v="3" actId="2696"/>
+        <pc:sldMasterMkLst>
+          <pc:docMk/>
+          <pc:sldMasterMk cId="4246037650" sldId="2147483660"/>
+        </pc:sldMasterMkLst>
+        <pc:sldLayoutChg chg="del">
+          <pc:chgData name="Burch, Michael" userId="c61bac37-f303-4899-91e4-95e7d9e47247" providerId="ADAL" clId="{350F6923-3425-E74A-9082-1F6A58783646}" dt="2023-05-11T07:43:02.001" v="3" actId="2696"/>
+          <pc:sldLayoutMkLst>
+            <pc:docMk/>
+            <pc:sldMasterMk cId="4246037650" sldId="2147483660"/>
+            <pc:sldLayoutMk cId="841433079" sldId="2147483707"/>
+          </pc:sldLayoutMkLst>
+        </pc:sldLayoutChg>
+      </pc:sldMasterChg>
+    </pc:docChg>
+  </pc:docChgLst>
+  <pc:docChgLst>
+    <pc:chgData name="Wu, Jing" userId="S::jing.wu@unisg.ch::185a692c-9f7b-4ee2-912c-20396d42d98e" providerId="AD" clId="Web-{1A00FD38-D445-403B-944B-4F3D0F251F26}"/>
+    <pc:docChg chg="delSld">
+      <pc:chgData name="Wu, Jing" userId="S::jing.wu@unisg.ch::185a692c-9f7b-4ee2-912c-20396d42d98e" providerId="AD" clId="Web-{1A00FD38-D445-403B-944B-4F3D0F251F26}" dt="2023-05-18T21:37:18.801" v="0"/>
+      <pc:docMkLst>
+        <pc:docMk/>
+      </pc:docMkLst>
+      <pc:sldChg chg="del">
+        <pc:chgData name="Wu, Jing" userId="S::jing.wu@unisg.ch::185a692c-9f7b-4ee2-912c-20396d42d98e" providerId="AD" clId="Web-{1A00FD38-D445-403B-944B-4F3D0F251F26}" dt="2023-05-18T21:37:18.801" v="0"/>
+        <pc:sldMkLst>
+          <pc:docMk/>
+          <pc:sldMk cId="2456456787" sldId="1598"/>
+        </pc:sldMkLst>
+      </pc:sldChg>
+    </pc:docChg>
+  </pc:docChgLst>
+  <pc:docChgLst>
+    <pc:chgData name="Bonilla, LeaMarta" userId="aa5362c7-0476-4c50-b52f-35c2791cd063" providerId="ADAL" clId="{59589261-44A9-774D-989B-D9F4E371B186}"/>
+    <pc:docChg chg="modSld">
+      <pc:chgData name="Bonilla, LeaMarta" userId="aa5362c7-0476-4c50-b52f-35c2791cd063" providerId="ADAL" clId="{59589261-44A9-774D-989B-D9F4E371B186}" dt="2023-05-18T17:50:32.317" v="1" actId="20577"/>
+      <pc:docMkLst>
+        <pc:docMk/>
+      </pc:docMkLst>
+      <pc:sldChg chg="modSp">
+        <pc:chgData name="Bonilla, LeaMarta" userId="aa5362c7-0476-4c50-b52f-35c2791cd063" providerId="ADAL" clId="{59589261-44A9-774D-989B-D9F4E371B186}" dt="2023-05-18T17:50:32.317" v="1" actId="20577"/>
+        <pc:sldMkLst>
+          <pc:docMk/>
+          <pc:sldMk cId="723318487" sldId="1582"/>
+        </pc:sldMkLst>
+        <pc:spChg chg="mod">
+          <ac:chgData name="Bonilla, LeaMarta" userId="aa5362c7-0476-4c50-b52f-35c2791cd063" providerId="ADAL" clId="{59589261-44A9-774D-989B-D9F4E371B186}" dt="2023-05-18T17:50:32.317" v="1" actId="20577"/>
+          <ac:spMkLst>
+            <pc:docMk/>
+            <pc:sldMk cId="723318487" sldId="1582"/>
+            <ac:spMk id="6" creationId="{F5EEC294-B771-D940-6194-AB1896DE8ECA}"/>
+          </ac:spMkLst>
+        </pc:spChg>
+      </pc:sldChg>
+    </pc:docChg>
+  </pc:docChgLst>
 </pc:chgInfo>
 </file>
 
@@ -1918,7 +1942,7 @@
           <a:p>
             <a:fld id="{F78F3C46-3F11-47F1-8233-2D2A4F656EAA}" type="datetimeFigureOut">
               <a:rPr lang="de-DE" smtClean="0"/>
-              <a:t>18.05.2023</a:t>
+              <a:t>19.05.2023</a:t>
             </a:fld>
             <a:endParaRPr lang="de-DE"/>
           </a:p>
@@ -2334,7 +2358,7 @@
           <a:p>
             <a:fld id="{6F18140C-7C65-48C5-AF48-8AE3F4A693ED}" type="slidenum">
               <a:rPr lang="de-DE" smtClean="0"/>
-              <a:t>10</a:t>
+              <a:t>9</a:t>
             </a:fld>
             <a:endParaRPr lang="de-DE"/>
           </a:p>
@@ -2418,7 +2442,7 @@
           <a:p>
             <a:fld id="{6F18140C-7C65-48C5-AF48-8AE3F4A693ED}" type="slidenum">
               <a:rPr lang="de-DE" smtClean="0"/>
-              <a:t>11</a:t>
+              <a:t>10</a:t>
             </a:fld>
             <a:endParaRPr lang="de-DE"/>
           </a:p>
@@ -2549,7 +2573,7 @@
                 <a:tabLst/>
                 <a:defRPr/>
               </a:pPr>
-              <a:t>15</a:t>
+              <a:t>14</a:t>
             </a:fld>
             <a:endParaRPr kumimoji="0" lang="en-US" sz="1200" b="0" i="0" u="none" strike="noStrike" kern="1200" cap="none" spc="0" normalizeH="0" baseline="0" noProof="0">
               <a:ln>
@@ -12838,7 +12862,7 @@
           <a:p>
             <a:fld id="{0D077020-D478-4200-B41F-16299167961D}" type="datetimeFigureOut">
               <a:rPr lang="en-GB" smtClean="0"/>
-              <a:t>18/05/2023</a:t>
+              <a:t>19/05/2023</a:t>
             </a:fld>
             <a:endParaRPr lang="en-GB"/>
           </a:p>
@@ -18958,25 +18982,25 @@
           <a:lstStyle/>
           <a:p>
             <a:r>
-              <a:rPr lang="de-CH" err="1">
+              <a:rPr lang="de-CH" dirty="0" err="1">
                 <a:latin typeface="+mj-lt"/>
               </a:rPr>
               <a:t>Supervised</a:t>
             </a:r>
             <a:r>
-              <a:rPr lang="de-CH">
+              <a:rPr lang="de-CH" dirty="0">
                 <a:latin typeface="+mj-lt"/>
               </a:rPr>
               <a:t> Learning – </a:t>
             </a:r>
             <a:r>
-              <a:rPr lang="de-CH" err="1">
+              <a:rPr lang="de-CH" dirty="0" err="1">
                 <a:latin typeface="+mj-lt"/>
               </a:rPr>
               <a:t>Predictions</a:t>
             </a:r>
             <a:r>
-              <a:rPr lang="de-CH">
+              <a:rPr lang="de-CH" dirty="0">
                 <a:latin typeface="+mj-lt"/>
               </a:rPr>
               <a:t>:</a:t>
@@ -18988,61 +19012,61 @@
               <a:buChar char="•"/>
             </a:pPr>
             <a:r>
-              <a:rPr lang="de-CH" err="1">
+              <a:rPr lang="de-CH" dirty="0" err="1">
                 <a:latin typeface="+mj-lt"/>
               </a:rPr>
               <a:t>classification</a:t>
             </a:r>
             <a:r>
-              <a:rPr lang="de-CH">
+              <a:rPr lang="de-CH" dirty="0">
                 <a:latin typeface="+mj-lt"/>
               </a:rPr>
               <a:t> for </a:t>
             </a:r>
             <a:r>
-              <a:rPr lang="de-CH" err="1">
+              <a:rPr lang="de-CH" dirty="0" err="1">
                 <a:latin typeface="+mj-lt"/>
               </a:rPr>
               <a:t>categorical</a:t>
             </a:r>
             <a:r>
-              <a:rPr lang="de-CH">
+              <a:rPr lang="de-CH" dirty="0">
                 <a:latin typeface="+mj-lt"/>
               </a:rPr>
               <a:t> </a:t>
             </a:r>
             <a:r>
-              <a:rPr lang="de-CH" err="1">
+              <a:rPr lang="de-CH" dirty="0" err="1">
                 <a:latin typeface="+mj-lt"/>
               </a:rPr>
               <a:t>values</a:t>
             </a:r>
             <a:r>
-              <a:rPr lang="de-CH">
+              <a:rPr lang="de-CH" dirty="0">
                 <a:latin typeface="+mj-lt"/>
               </a:rPr>
               <a:t> (</a:t>
             </a:r>
             <a:r>
-              <a:rPr lang="de-CH" err="1">
+              <a:rPr lang="de-CH" dirty="0" err="1">
                 <a:latin typeface="+mj-lt"/>
               </a:rPr>
               <a:t>discrete</a:t>
             </a:r>
             <a:r>
-              <a:rPr lang="de-CH">
+              <a:rPr lang="de-CH" dirty="0">
                 <a:latin typeface="+mj-lt"/>
               </a:rPr>
               <a:t> </a:t>
             </a:r>
             <a:r>
-              <a:rPr lang="de-CH" err="1">
+              <a:rPr lang="de-CH" dirty="0" err="1">
                 <a:latin typeface="+mj-lt"/>
               </a:rPr>
               <a:t>classes</a:t>
             </a:r>
             <a:r>
-              <a:rPr lang="de-CH">
+              <a:rPr lang="de-CH" dirty="0">
                 <a:latin typeface="+mj-lt"/>
               </a:rPr>
               <a:t>)</a:t>
@@ -19054,71 +19078,94 @@
               <a:buChar char="•"/>
             </a:pPr>
             <a:r>
-              <a:rPr lang="de-CH" err="1">
+              <a:rPr lang="de-CH" dirty="0" err="1">
                 <a:latin typeface="+mj-lt"/>
               </a:rPr>
               <a:t>regression</a:t>
             </a:r>
             <a:r>
-              <a:rPr lang="de-CH">
+              <a:rPr lang="de-CH" dirty="0">
                 <a:latin typeface="+mj-lt"/>
               </a:rPr>
               <a:t> for </a:t>
             </a:r>
             <a:r>
-              <a:rPr lang="de-CH" err="1">
+              <a:rPr lang="de-CH" dirty="0" err="1">
                 <a:latin typeface="+mj-lt"/>
               </a:rPr>
               <a:t>continuous</a:t>
             </a:r>
             <a:r>
-              <a:rPr lang="de-CH">
+              <a:rPr lang="de-CH" dirty="0">
                 <a:latin typeface="+mj-lt"/>
               </a:rPr>
               <a:t> </a:t>
             </a:r>
             <a:r>
-              <a:rPr lang="de-CH" err="1">
+              <a:rPr lang="de-CH" dirty="0" err="1">
                 <a:latin typeface="+mj-lt"/>
               </a:rPr>
               <a:t>values</a:t>
             </a:r>
-            <a:endParaRPr lang="de-CH">
+            <a:endParaRPr lang="de-CH" dirty="0">
               <a:effectLst/>
               <a:latin typeface="+mj-lt"/>
             </a:endParaRPr>
           </a:p>
           <a:p>
+            <a:endParaRPr lang="de-CH" dirty="0">
+              <a:latin typeface="+mj-lt"/>
+            </a:endParaRPr>
+          </a:p>
+          <a:p>
+            <a:r>
+              <a:rPr lang="de-CH" b="1" dirty="0">
+                <a:latin typeface="+mj-lt"/>
+              </a:rPr>
+              <a:t>Self-</a:t>
+            </a:r>
+            <a:r>
+              <a:rPr lang="de-CH" b="1" dirty="0" err="1">
+                <a:latin typeface="+mj-lt"/>
+              </a:rPr>
+              <a:t>Supervised</a:t>
+            </a:r>
+            <a:r>
+              <a:rPr lang="de-CH" b="1">
+                <a:latin typeface="+mj-lt"/>
+              </a:rPr>
+              <a:t> Learning – GPT</a:t>
+            </a:r>
             <a:endParaRPr lang="de-CH">
               <a:latin typeface="+mj-lt"/>
             </a:endParaRPr>
           </a:p>
           <a:p>
-            <a:endParaRPr lang="de-CH">
+            <a:endParaRPr lang="de-CH" dirty="0">
               <a:latin typeface="+mj-lt"/>
             </a:endParaRPr>
           </a:p>
           <a:p>
             <a:r>
-              <a:rPr lang="de-CH" err="1">
+              <a:rPr lang="de-CH" dirty="0" err="1">
                 <a:latin typeface="+mj-lt"/>
               </a:rPr>
               <a:t>Unsupervised</a:t>
             </a:r>
             <a:r>
-              <a:rPr lang="de-CH">
+              <a:rPr lang="de-CH" dirty="0">
                 <a:latin typeface="+mj-lt"/>
               </a:rPr>
               <a:t> Learning – </a:t>
             </a:r>
             <a:r>
-              <a:rPr lang="de-CH" err="1">
+              <a:rPr lang="de-CH" dirty="0" err="1">
                 <a:latin typeface="+mj-lt"/>
               </a:rPr>
               <a:t>Structuring</a:t>
             </a:r>
             <a:r>
-              <a:rPr lang="de-CH">
+              <a:rPr lang="de-CH" dirty="0">
                 <a:latin typeface="+mj-lt"/>
               </a:rPr>
               <a:t>:</a:t>
@@ -19130,36 +19177,36 @@
               <a:buChar char="•"/>
             </a:pPr>
             <a:r>
-              <a:rPr lang="de-CH" err="1">
+              <a:rPr lang="de-CH" dirty="0" err="1">
                 <a:latin typeface="+mj-lt"/>
               </a:rPr>
               <a:t>clustering</a:t>
             </a:r>
             <a:r>
-              <a:rPr lang="de-CH">
+              <a:rPr lang="de-CH" dirty="0">
                 <a:latin typeface="+mj-lt"/>
               </a:rPr>
               <a:t> </a:t>
             </a:r>
             <a:r>
-              <a:rPr lang="de-CH" err="1">
+              <a:rPr lang="de-CH" dirty="0" err="1">
                 <a:latin typeface="+mj-lt"/>
               </a:rPr>
               <a:t>similar</a:t>
             </a:r>
             <a:r>
-              <a:rPr lang="de-CH">
+              <a:rPr lang="de-CH" dirty="0">
                 <a:latin typeface="+mj-lt"/>
               </a:rPr>
               <a:t> </a:t>
             </a:r>
             <a:r>
-              <a:rPr lang="de-CH" err="1">
+              <a:rPr lang="de-CH" dirty="0" err="1">
                 <a:latin typeface="+mj-lt"/>
               </a:rPr>
               <a:t>instances</a:t>
             </a:r>
-            <a:endParaRPr lang="de-CH">
+            <a:endParaRPr lang="de-CH" dirty="0">
               <a:latin typeface="+mj-lt"/>
             </a:endParaRPr>
           </a:p>
@@ -19169,44 +19216,44 @@
               <a:buChar char="•"/>
             </a:pPr>
             <a:r>
-              <a:rPr lang="de-CH" err="1">
+              <a:rPr lang="de-CH" dirty="0" err="1">
                 <a:latin typeface="+mj-lt"/>
               </a:rPr>
               <a:t>outlier</a:t>
             </a:r>
             <a:r>
-              <a:rPr lang="de-CH">
+              <a:rPr lang="de-CH" dirty="0">
                 <a:latin typeface="+mj-lt"/>
               </a:rPr>
               <a:t> </a:t>
             </a:r>
             <a:r>
-              <a:rPr lang="de-CH" err="1">
+              <a:rPr lang="de-CH" dirty="0" err="1">
                 <a:latin typeface="+mj-lt"/>
               </a:rPr>
               <a:t>detection</a:t>
             </a:r>
-            <a:endParaRPr lang="de-CH">
+            <a:endParaRPr lang="de-CH" dirty="0">
               <a:latin typeface="+mj-lt"/>
             </a:endParaRPr>
           </a:p>
           <a:p>
             <a:pPr marL="0" indent="0"/>
-            <a:endParaRPr lang="de-CH">
+            <a:endParaRPr lang="de-CH" dirty="0">
               <a:effectLst/>
               <a:latin typeface="+mj-lt"/>
             </a:endParaRPr>
           </a:p>
           <a:p>
             <a:pPr marL="0" indent="0"/>
-            <a:endParaRPr lang="de-CH">
+            <a:endParaRPr lang="de-CH" dirty="0">
               <a:effectLst/>
               <a:latin typeface="+mj-lt"/>
             </a:endParaRPr>
           </a:p>
           <a:p>
             <a:r>
-              <a:rPr lang="de-CH">
+              <a:rPr lang="de-CH" dirty="0">
                 <a:solidFill>
                   <a:schemeClr val="bg1">
                     <a:lumMod val="65000"/>
@@ -19219,7 +19266,7 @@
           </a:p>
           <a:p>
             <a:pPr marL="0" indent="0"/>
-            <a:endParaRPr lang="de-CH">
+            <a:endParaRPr lang="de-CH" dirty="0">
               <a:solidFill>
                 <a:schemeClr val="bg1">
                   <a:lumMod val="65000"/>
@@ -19230,7 +19277,7 @@
             </a:endParaRPr>
           </a:p>
           <a:p>
-            <a:endParaRPr lang="en-GB">
+            <a:endParaRPr lang="en-GB" dirty="0">
               <a:latin typeface="+mj-lt"/>
             </a:endParaRPr>
           </a:p>
@@ -20520,15 +20567,6 @@
 </file>
 
 <file path=customXml/item1.xml><?xml version="1.0" encoding="utf-8"?>
-<?mso-contentType ?>
-<FormTemplates xmlns="http://schemas.microsoft.com/sharepoint/v3/contenttype/forms">
-  <Display>DocumentLibraryForm</Display>
-  <Edit>DocumentLibraryForm</Edit>
-  <New>DocumentLibraryForm</New>
-</FormTemplates>
-</file>
-
-<file path=customXml/item2.xml><?xml version="1.0" encoding="utf-8"?>
 <ct:contentTypeSchema xmlns:ct="http://schemas.microsoft.com/office/2006/metadata/contentType" xmlns:ma="http://schemas.microsoft.com/office/2006/metadata/properties/metaAttributes" ct:_="" ma:_="" ma:contentTypeName="Dokument" ma:contentTypeID="0x010100BA3AC0B29D543742836C64EC22DE252D" ma:contentTypeVersion="9" ma:contentTypeDescription="Ein neues Dokument erstellen." ma:contentTypeScope="" ma:versionID="3ac7e300c56cbe738136fa13d3a90518">
   <xsd:schema xmlns:xsd="http://www.w3.org/2001/XMLSchema" xmlns:xs="http://www.w3.org/2001/XMLSchema" xmlns:p="http://schemas.microsoft.com/office/2006/metadata/properties" xmlns:ns2="180db94c-82de-4c89-acb5-d41e1b03bacc" xmlns:ns3="5dc96929-7643-4924-91c0-9b0ff054556d" targetNamespace="http://schemas.microsoft.com/office/2006/metadata/properties" ma:root="true" ma:fieldsID="8e222083bbe7ae665e818514177159bf" ns2:_="" ns3:_="">
     <xsd:import namespace="180db94c-82de-4c89-acb5-d41e1b03bacc"/>
@@ -20711,6 +20749,15 @@
 </ct:contentTypeSchema>
 </file>
 
+<file path=customXml/item2.xml><?xml version="1.0" encoding="utf-8"?>
+<?mso-contentType ?>
+<FormTemplates xmlns="http://schemas.microsoft.com/sharepoint/v3/contenttype/forms">
+  <Display>DocumentLibraryForm</Display>
+  <Edit>DocumentLibraryForm</Edit>
+  <New>DocumentLibraryForm</New>
+</FormTemplates>
+</file>
+
 <file path=customXml/item3.xml><?xml version="1.0" encoding="utf-8"?>
 <p:properties xmlns:p="http://schemas.microsoft.com/office/2006/metadata/properties" xmlns:xsi="http://www.w3.org/2001/XMLSchema-instance" xmlns:pc="http://schemas.microsoft.com/office/infopath/2007/PartnerControls">
   <documentManagement>
@@ -20723,14 +20770,6 @@
 </file>
 
 <file path=customXml/itemProps1.xml><?xml version="1.0" encoding="utf-8"?>
-<ds:datastoreItem xmlns:ds="http://schemas.openxmlformats.org/officeDocument/2006/customXml" ds:itemID="{27AAF511-705D-4D22-B307-3E691874066C}">
-  <ds:schemaRefs>
-    <ds:schemaRef ds:uri="http://schemas.microsoft.com/sharepoint/v3/contenttype/forms"/>
-  </ds:schemaRefs>
-</ds:datastoreItem>
-</file>
-
-<file path=customXml/itemProps2.xml><?xml version="1.0" encoding="utf-8"?>
 <ds:datastoreItem xmlns:ds="http://schemas.openxmlformats.org/officeDocument/2006/customXml" ds:itemID="{93EC63AF-4087-4555-8D83-A67AF4E9F0DD}">
   <ds:schemaRefs>
     <ds:schemaRef ds:uri="http://schemas.microsoft.com/office/2006/metadata/contentType"/>
@@ -20750,6 +20789,14 @@
 </ds:datastoreItem>
 </file>
 
+<file path=customXml/itemProps2.xml><?xml version="1.0" encoding="utf-8"?>
+<ds:datastoreItem xmlns:ds="http://schemas.openxmlformats.org/officeDocument/2006/customXml" ds:itemID="{27AAF511-705D-4D22-B307-3E691874066C}">
+  <ds:schemaRefs>
+    <ds:schemaRef ds:uri="http://schemas.microsoft.com/sharepoint/v3/contenttype/forms"/>
+  </ds:schemaRefs>
+</ds:datastoreItem>
+</file>
+
 <file path=customXml/itemProps3.xml><?xml version="1.0" encoding="utf-8"?>
 <ds:datastoreItem xmlns:ds="http://schemas.openxmlformats.org/officeDocument/2006/customXml" ds:itemID="{8006C3C9-FB59-4473-BC1F-8644C613D910}">
   <ds:schemaRefs>
